--- a/UFC Statistics.pptx
+++ b/UFC Statistics.pptx
@@ -112,6 +112,11 @@
       </a:defRPr>
     </a:lvl9pPr>
   </p:defaultTextStyle>
+  <p:extLst>
+    <p:ext uri="{EFAFB233-063F-42B5-8137-9DF3F51BA10A}">
+      <p15:sldGuideLst xmlns:p15="http://schemas.microsoft.com/office/powerpoint/2012/main"/>
+    </p:ext>
+  </p:extLst>
 </p:presentation>
 </file>
 
@@ -10859,9 +10864,15 @@
                 <a:solidFill>
                   <a:srgbClr val="FFFFFF"/>
                 </a:solidFill>
+                <a:hlinkClick r:id="rId8"/>
               </a:rPr>
               <a:t>Click Here</a:t>
             </a:r>
+            <a:endParaRPr lang="en-US" sz="2800" dirty="0">
+              <a:solidFill>
+                <a:srgbClr val="FFFFFF"/>
+              </a:solidFill>
+            </a:endParaRPr>
           </a:p>
         </p:txBody>
       </p:sp>
@@ -12875,6 +12886,7 @@
       <p:sp>
         <p:nvSpPr>
           <p:cNvPr id="87" name="CaixaDeTexto 86">
+            <a:hlinkClick r:id="rId11" action="ppaction://hlinkfile"/>
             <a:extLst>
               <a:ext uri="{FF2B5EF4-FFF2-40B4-BE49-F238E27FC236}">
                 <a16:creationId xmlns:a16="http://schemas.microsoft.com/office/drawing/2014/main" id="{457BFAE6-ED9C-4DB3-B45C-BC8454FF941A}"/>
@@ -12886,7 +12898,7 @@
         </p:nvSpPr>
         <p:spPr>
           <a:xfrm>
-            <a:off x="1048174" y="3438723"/>
+            <a:off x="1048174" y="3435679"/>
             <a:ext cx="1555663" cy="313932"/>
           </a:xfrm>
           <a:prstGeom prst="rect">
